--- a/Lecture_04.pptx
+++ b/Lecture_04.pptx
@@ -266,7 +266,7 @@
           <a:p>
             <a:fld id="{1057DC75-D408-4CFB-9300-73248D5257F9}" type="datetimeFigureOut">
               <a:rPr lang="en-CA" smtClean="0"/>
-              <a:t>2019-09-11</a:t>
+              <a:t>2019-09-12</a:t>
             </a:fld>
             <a:endParaRPr lang="en-CA"/>
           </a:p>
@@ -436,7 +436,7 @@
           <a:p>
             <a:fld id="{1057DC75-D408-4CFB-9300-73248D5257F9}" type="datetimeFigureOut">
               <a:rPr lang="en-CA" smtClean="0"/>
-              <a:t>2019-09-11</a:t>
+              <a:t>2019-09-12</a:t>
             </a:fld>
             <a:endParaRPr lang="en-CA"/>
           </a:p>
@@ -616,7 +616,7 @@
           <a:p>
             <a:fld id="{1057DC75-D408-4CFB-9300-73248D5257F9}" type="datetimeFigureOut">
               <a:rPr lang="en-CA" smtClean="0"/>
-              <a:t>2019-09-11</a:t>
+              <a:t>2019-09-12</a:t>
             </a:fld>
             <a:endParaRPr lang="en-CA"/>
           </a:p>
@@ -786,7 +786,7 @@
           <a:p>
             <a:fld id="{1057DC75-D408-4CFB-9300-73248D5257F9}" type="datetimeFigureOut">
               <a:rPr lang="en-CA" smtClean="0"/>
-              <a:t>2019-09-11</a:t>
+              <a:t>2019-09-12</a:t>
             </a:fld>
             <a:endParaRPr lang="en-CA"/>
           </a:p>
@@ -1032,7 +1032,7 @@
           <a:p>
             <a:fld id="{1057DC75-D408-4CFB-9300-73248D5257F9}" type="datetimeFigureOut">
               <a:rPr lang="en-CA" smtClean="0"/>
-              <a:t>2019-09-11</a:t>
+              <a:t>2019-09-12</a:t>
             </a:fld>
             <a:endParaRPr lang="en-CA"/>
           </a:p>
@@ -1264,7 +1264,7 @@
           <a:p>
             <a:fld id="{1057DC75-D408-4CFB-9300-73248D5257F9}" type="datetimeFigureOut">
               <a:rPr lang="en-CA" smtClean="0"/>
-              <a:t>2019-09-11</a:t>
+              <a:t>2019-09-12</a:t>
             </a:fld>
             <a:endParaRPr lang="en-CA"/>
           </a:p>
@@ -1631,7 +1631,7 @@
           <a:p>
             <a:fld id="{1057DC75-D408-4CFB-9300-73248D5257F9}" type="datetimeFigureOut">
               <a:rPr lang="en-CA" smtClean="0"/>
-              <a:t>2019-09-11</a:t>
+              <a:t>2019-09-12</a:t>
             </a:fld>
             <a:endParaRPr lang="en-CA"/>
           </a:p>
@@ -1749,7 +1749,7 @@
           <a:p>
             <a:fld id="{1057DC75-D408-4CFB-9300-73248D5257F9}" type="datetimeFigureOut">
               <a:rPr lang="en-CA" smtClean="0"/>
-              <a:t>2019-09-11</a:t>
+              <a:t>2019-09-12</a:t>
             </a:fld>
             <a:endParaRPr lang="en-CA"/>
           </a:p>
@@ -1844,7 +1844,7 @@
           <a:p>
             <a:fld id="{1057DC75-D408-4CFB-9300-73248D5257F9}" type="datetimeFigureOut">
               <a:rPr lang="en-CA" smtClean="0"/>
-              <a:t>2019-09-11</a:t>
+              <a:t>2019-09-12</a:t>
             </a:fld>
             <a:endParaRPr lang="en-CA"/>
           </a:p>
@@ -2121,7 +2121,7 @@
           <a:p>
             <a:fld id="{1057DC75-D408-4CFB-9300-73248D5257F9}" type="datetimeFigureOut">
               <a:rPr lang="en-CA" smtClean="0"/>
-              <a:t>2019-09-11</a:t>
+              <a:t>2019-09-12</a:t>
             </a:fld>
             <a:endParaRPr lang="en-CA"/>
           </a:p>
@@ -2374,7 +2374,7 @@
           <a:p>
             <a:fld id="{1057DC75-D408-4CFB-9300-73248D5257F9}" type="datetimeFigureOut">
               <a:rPr lang="en-CA" smtClean="0"/>
-              <a:t>2019-09-11</a:t>
+              <a:t>2019-09-12</a:t>
             </a:fld>
             <a:endParaRPr lang="en-CA"/>
           </a:p>
@@ -2587,7 +2587,7 @@
           <a:p>
             <a:fld id="{1057DC75-D408-4CFB-9300-73248D5257F9}" type="datetimeFigureOut">
               <a:rPr lang="en-CA" smtClean="0"/>
-              <a:t>2019-09-11</a:t>
+              <a:t>2019-09-12</a:t>
             </a:fld>
             <a:endParaRPr lang="en-CA"/>
           </a:p>
@@ -4587,11 +4587,7 @@
             </a:r>
             <a:r>
               <a:rPr lang="en-CA" dirty="0" smtClean="0"/>
-              <a:t> contributions towards the </a:t>
-            </a:r>
-            <a:r>
-              <a:rPr lang="en-CA" dirty="0" smtClean="0"/>
-              <a:t>decision</a:t>
+              <a:t> contributions towards the decision</a:t>
             </a:r>
           </a:p>
           <a:p>
@@ -6600,11 +6596,7 @@
             </a:r>
             <a:r>
               <a:rPr lang="en-CA" dirty="0" smtClean="0"/>
-              <a:t>(X) = Marginal </a:t>
-            </a:r>
-            <a:r>
-              <a:rPr lang="en-CA" dirty="0" smtClean="0"/>
-              <a:t>Probability</a:t>
+              <a:t>(X) = Marginal Probability</a:t>
             </a:r>
           </a:p>
           <a:p>
@@ -6614,29 +6606,13 @@
             </a:r>
             <a:r>
               <a:rPr lang="en-CA" dirty="0" smtClean="0"/>
-              <a:t>(X,Y) = </a:t>
-            </a:r>
-            <a:r>
-              <a:rPr lang="en-CA" dirty="0" smtClean="0"/>
-              <a:t>Joint </a:t>
-            </a:r>
-            <a:r>
-              <a:rPr lang="en-CA" dirty="0" smtClean="0"/>
-              <a:t>Probability</a:t>
+              <a:t>(X,Y) = Joint Probability</a:t>
             </a:r>
           </a:p>
           <a:p>
             <a:r>
               <a:rPr lang="en-CA" dirty="0" smtClean="0"/>
-              <a:t>P(</a:t>
-            </a:r>
-            <a:r>
-              <a:rPr lang="en-CA" dirty="0" smtClean="0"/>
-              <a:t>Y|X) = </a:t>
-            </a:r>
-            <a:r>
-              <a:rPr lang="en-CA" dirty="0" smtClean="0"/>
-              <a:t>Conditional Probability</a:t>
+              <a:t>P(Y|X) = Conditional Probability</a:t>
             </a:r>
           </a:p>
           <a:p>
@@ -6644,39 +6620,8 @@
               <a:rPr lang="en-CA" dirty="0" smtClean="0"/>
               <a:t>p(Y|X)p(X) = p(Y)p(X)  = p(Y,X) = P(X,Y) if X and Y are independent (coin toss example)</a:t>
             </a:r>
-            <a:endParaRPr lang="en-CA" dirty="0" smtClean="0"/>
           </a:p>
           <a:p>
-            <a:endParaRPr lang="en-CA" dirty="0"/>
-          </a:p>
-        </p:txBody>
-      </p:sp>
-      <p:sp>
-        <p:nvSpPr>
-          <p:cNvPr id="6" name="TextBox 5"/>
-          <p:cNvSpPr txBox="1"/>
-          <p:nvPr/>
-        </p:nvSpPr>
-        <p:spPr>
-          <a:xfrm>
-            <a:off x="1274618" y="5791200"/>
-            <a:ext cx="1995055" cy="369332"/>
-          </a:xfrm>
-          <a:prstGeom prst="rect">
-            <a:avLst/>
-          </a:prstGeom>
-          <a:noFill/>
-        </p:spPr>
-        <p:txBody>
-          <a:bodyPr wrap="square" rtlCol="0">
-            <a:spAutoFit/>
-          </a:bodyPr>
-          <a:lstStyle/>
-          <a:p>
-            <a:r>
-              <a:rPr lang="en-CA" dirty="0" smtClean="0"/>
-              <a:t>(question 1)</a:t>
-            </a:r>
             <a:endParaRPr lang="en-CA" dirty="0"/>
           </a:p>
         </p:txBody>
@@ -6961,33 +6906,6 @@
                                   </p:childTnLst>
                                 </p:cTn>
                               </p:par>
-                              <p:par>
-                                <p:cTn id="25" presetID="1" presetClass="entr" presetSubtype="0" fill="hold" grpId="0" nodeType="withEffect">
-                                  <p:stCondLst>
-                                    <p:cond delay="0"/>
-                                  </p:stCondLst>
-                                  <p:childTnLst>
-                                    <p:set>
-                                      <p:cBhvr>
-                                        <p:cTn id="26" dur="1" fill="hold">
-                                          <p:stCondLst>
-                                            <p:cond delay="0"/>
-                                          </p:stCondLst>
-                                        </p:cTn>
-                                        <p:tgtEl>
-                                          <p:spTgt spid="6"/>
-                                        </p:tgtEl>
-                                        <p:attrNameLst>
-                                          <p:attrName>style.visibility</p:attrName>
-                                        </p:attrNameLst>
-                                      </p:cBhvr>
-                                      <p:to>
-                                        <p:strVal val="visible"/>
-                                      </p:to>
-                                    </p:set>
-                                  </p:childTnLst>
-                                </p:cTn>
-                              </p:par>
                             </p:childTnLst>
                           </p:cTn>
                         </p:par>
@@ -7018,7 +6936,6 @@
     <p:bldLst>
       <p:bldP spid="3" grpId="0" build="p"/>
       <p:bldP spid="9" grpId="0"/>
-      <p:bldP spid="6" grpId="0"/>
     </p:bldLst>
   </p:timing>
 </p:sld>
@@ -7632,8 +7549,8 @@
           </a:p>
         </p:txBody>
       </p:sp>
-      <mc:AlternateContent xmlns:mc="http://schemas.openxmlformats.org/markup-compatibility/2006">
-        <mc:Choice xmlns:a14="http://schemas.microsoft.com/office/drawing/2010/main" Requires="a14">
+      <mc:AlternateContent xmlns:mc="http://schemas.openxmlformats.org/markup-compatibility/2006" xmlns:a14="http://schemas.microsoft.com/office/drawing/2010/main">
+        <mc:Choice Requires="a14">
           <p:sp>
             <p:nvSpPr>
               <p:cNvPr id="3" name="Content Placeholder 2"/>
@@ -7785,7 +7702,6 @@
                   <a:rPr lang="en-CA" b="1" dirty="0" smtClean="0"/>
                   <a:t>)</a:t>
                 </a:r>
-                <a:endParaRPr lang="en-CA" b="1" dirty="0" smtClean="0"/>
               </a:p>
               <a:p>
                 <a:pPr lvl="1"/>
@@ -7798,11 +7714,7 @@
                 <a:pPr lvl="1"/>
                 <a:r>
                   <a:rPr lang="en-CA" dirty="0" smtClean="0"/>
-                  <a:t>p(orange</a:t>
-                </a:r>
-                <a:r>
-                  <a:rPr lang="en-CA" dirty="0" smtClean="0"/>
-                  <a:t>) = 9/20</a:t>
+                  <a:t>p(orange) = 9/20</a:t>
                 </a:r>
               </a:p>
               <a:p>
@@ -7952,18 +7864,14 @@
                 <a:pPr lvl="1"/>
                 <a:r>
                   <a:rPr lang="en-CA" dirty="0" smtClean="0"/>
-                  <a:t>= </a:t>
-                </a:r>
-                <a:r>
-                  <a:rPr lang="en-CA" dirty="0" smtClean="0"/>
-                  <a:t>(1/4 * 6/10)/(9/20) = 1/3</a:t>
+                  <a:t>= (1/4 * 6/10)/(9/20) = 1/3</a:t>
                 </a:r>
                 <a:endParaRPr lang="en-CA" dirty="0"/>
               </a:p>
             </p:txBody>
           </p:sp>
         </mc:Choice>
-        <mc:Fallback>
+        <mc:Fallback xmlns="">
           <p:sp>
             <p:nvSpPr>
               <p:cNvPr id="3" name="Content Placeholder 2"/>
@@ -8922,29 +8830,8 @@
             <a:pPr lvl="1"/>
             <a:r>
               <a:rPr lang="en-CA" dirty="0" smtClean="0"/>
-              <a:t>p(+test) = p(false positive) + </a:t>
+              <a:t>p(+test) = p(false positive) + p(true positive) = 0.099+0.008 = 0.107</a:t>
             </a:r>
-            <a:r>
-              <a:rPr lang="en-CA" dirty="0" smtClean="0"/>
-              <a:t>p(true positive) </a:t>
-            </a:r>
-            <a:r>
-              <a:rPr lang="en-CA" dirty="0" smtClean="0"/>
-              <a:t>= </a:t>
-            </a:r>
-            <a:r>
-              <a:rPr lang="en-CA" dirty="0" smtClean="0"/>
-              <a:t>0.099+0.008 </a:t>
-            </a:r>
-            <a:r>
-              <a:rPr lang="en-CA" dirty="0" smtClean="0"/>
-              <a:t>= </a:t>
-            </a:r>
-            <a:r>
-              <a:rPr lang="en-CA" dirty="0" smtClean="0"/>
-              <a:t>0.107</a:t>
-            </a:r>
-            <a:endParaRPr lang="en-CA" dirty="0" smtClean="0"/>
           </a:p>
           <a:p>
             <a:pPr lvl="2"/>
@@ -8970,27 +8857,14 @@
             </a:r>
             <a:r>
               <a:rPr lang="en-CA" dirty="0" smtClean="0"/>
-              <a:t> cancer) = 0.99*0.1 = </a:t>
+              <a:t> cancer) = 0.99*0.1 = 0.099</a:t>
             </a:r>
-            <a:r>
-              <a:rPr lang="en-CA" dirty="0" smtClean="0"/>
-              <a:t>0.099</a:t>
-            </a:r>
-            <a:endParaRPr lang="en-CA" dirty="0" smtClean="0"/>
           </a:p>
           <a:p>
             <a:pPr lvl="2"/>
             <a:r>
               <a:rPr lang="en-CA" dirty="0" smtClean="0"/>
-              <a:t>p(true positive) </a:t>
-            </a:r>
-            <a:r>
-              <a:rPr lang="en-CA" dirty="0" smtClean="0"/>
-              <a:t>= </a:t>
-            </a:r>
-            <a:r>
-              <a:rPr lang="en-CA" dirty="0" smtClean="0"/>
-              <a:t>p(cancer)p(+</a:t>
+              <a:t>p(true positive) = p(cancer)p(+</a:t>
             </a:r>
             <a:r>
               <a:rPr lang="en-CA" dirty="0" err="1" smtClean="0"/>
@@ -8998,39 +8872,14 @@
             </a:r>
             <a:r>
               <a:rPr lang="en-CA" dirty="0" smtClean="0"/>
-              <a:t>) = </a:t>
+              <a:t>) = 0.01*0.8 = 0.008 </a:t>
             </a:r>
-            <a:r>
-              <a:rPr lang="en-CA" dirty="0" smtClean="0"/>
-              <a:t>0.01*0.8 </a:t>
-            </a:r>
-            <a:r>
-              <a:rPr lang="en-CA" dirty="0" smtClean="0"/>
-              <a:t>= </a:t>
-            </a:r>
-            <a:r>
-              <a:rPr lang="en-CA" dirty="0" smtClean="0"/>
-              <a:t>0.008 </a:t>
-            </a:r>
-            <a:endParaRPr lang="en-CA" dirty="0" smtClean="0"/>
           </a:p>
           <a:p>
             <a:pPr lvl="1"/>
             <a:r>
               <a:rPr lang="en-CA" dirty="0" smtClean="0"/>
-              <a:t>=&gt; p(cancer|+test) = 0.8*0.01 / </a:t>
-            </a:r>
-            <a:r>
-              <a:rPr lang="en-CA" dirty="0" smtClean="0"/>
-              <a:t>0.107 </a:t>
-            </a:r>
-            <a:r>
-              <a:rPr lang="en-CA" dirty="0" smtClean="0"/>
-              <a:t>= </a:t>
-            </a:r>
-            <a:r>
-              <a:rPr lang="en-CA" dirty="0" smtClean="0"/>
-              <a:t>0.0748</a:t>
+              <a:t>=&gt; p(cancer|+test) = 0.8*0.01 / 0.107 = 0.0748</a:t>
             </a:r>
             <a:endParaRPr lang="en-CA" dirty="0"/>
           </a:p>
@@ -9964,8 +9813,8 @@
           </a:p>
         </p:txBody>
       </p:sp>
-      <mc:AlternateContent xmlns:mc="http://schemas.openxmlformats.org/markup-compatibility/2006">
-        <mc:Choice xmlns:a14="http://schemas.microsoft.com/office/drawing/2010/main" Requires="a14">
+      <mc:AlternateContent xmlns:mc="http://schemas.openxmlformats.org/markup-compatibility/2006" xmlns:a14="http://schemas.microsoft.com/office/drawing/2010/main">
+        <mc:Choice Requires="a14">
           <p:sp>
             <p:nvSpPr>
               <p:cNvPr id="3" name="Content Placeholder 2"/>
@@ -10003,35 +9852,19 @@
               <a:p>
                 <a:r>
                   <a:rPr lang="en-CA" dirty="0" smtClean="0"/>
-                  <a:t>Then, </a:t>
+                  <a:t>Then, p(Play=</a:t>
+                </a:r>
+                <a:r>
+                  <a:rPr lang="en-CA" dirty="0" err="1" smtClean="0"/>
+                  <a:t>Yes|E</a:t>
                 </a:r>
                 <a:r>
                   <a:rPr lang="en-CA" dirty="0" smtClean="0"/>
-                  <a:t>p(Play=</a:t>
+                  <a:t>) = p(Play=</a:t>
                 </a:r>
                 <a:r>
                   <a:rPr lang="en-CA" dirty="0" err="1" smtClean="0"/>
-                  <a:t>Y</a:t>
-                </a:r>
-                <a:r>
-                  <a:rPr lang="en-CA" dirty="0" err="1" smtClean="0"/>
-                  <a:t>es|E</a:t>
-                </a:r>
-                <a:r>
-                  <a:rPr lang="en-CA" dirty="0" smtClean="0"/>
-                  <a:t>) = </a:t>
-                </a:r>
-                <a:r>
-                  <a:rPr lang="en-CA" dirty="0" smtClean="0"/>
-                  <a:t>p(Play=</a:t>
-                </a:r>
-                <a:r>
-                  <a:rPr lang="en-CA" dirty="0" err="1" smtClean="0"/>
-                  <a:t>Y</a:t>
-                </a:r>
-                <a:r>
-                  <a:rPr lang="en-CA" dirty="0" err="1" smtClean="0"/>
-                  <a:t>es|outlook,temperature,humidity,windy</a:t>
+                  <a:t>Yes|outlook,temperature,humidity,windy</a:t>
                 </a:r>
                 <a:r>
                   <a:rPr lang="en-CA" dirty="0" smtClean="0"/>
@@ -10073,13 +9906,7 @@
                           <a:rPr lang="en-CA" sz="2400" b="0" i="1" smtClean="0">
                             <a:latin typeface="Cambria Math" panose="02040503050406030204" pitchFamily="18" charset="0"/>
                           </a:rPr>
-                          <m:t>𝑌</m:t>
-                        </m:r>
-                        <m:r>
-                          <a:rPr lang="en-CA" sz="2400" b="0" i="1" smtClean="0">
-                            <a:latin typeface="Cambria Math" panose="02040503050406030204" pitchFamily="18" charset="0"/>
-                          </a:rPr>
-                          <m:t>𝑒𝑠</m:t>
+                          <m:t>𝑌𝑒𝑠</m:t>
                         </m:r>
                       </m:e>
                       <m:e>
@@ -10133,13 +9960,7 @@
                               <a:rPr lang="en-CA" sz="2400" b="0" i="1" smtClean="0">
                                 <a:latin typeface="Cambria Math" panose="02040503050406030204" pitchFamily="18" charset="0"/>
                               </a:rPr>
-                              <m:t>𝑌</m:t>
-                            </m:r>
-                            <m:r>
-                              <a:rPr lang="en-CA" sz="2400" b="0" i="1" smtClean="0">
-                                <a:latin typeface="Cambria Math" panose="02040503050406030204" pitchFamily="18" charset="0"/>
-                              </a:rPr>
-                              <m:t>𝑒𝑠</m:t>
+                              <m:t>𝑌𝑒𝑠</m:t>
                             </m:r>
                           </m:e>
                         </m:d>
@@ -10499,7 +10320,7 @@
             </p:txBody>
           </p:sp>
         </mc:Choice>
-        <mc:Fallback>
+        <mc:Fallback xmlns="">
           <p:sp>
             <p:nvSpPr>
               <p:cNvPr id="3" name="Content Placeholder 2"/>
@@ -11186,27 +11007,17 @@
               <a:rPr lang="en-CA" dirty="0" smtClean="0"/>
               <a:t>Solution: use a Laplace estimator to add a small constant to each probability</a:t>
             </a:r>
-            <a:endParaRPr lang="en-CA" dirty="0" smtClean="0"/>
           </a:p>
           <a:p>
             <a:r>
               <a:rPr lang="en-CA" dirty="0" smtClean="0"/>
-              <a:t>Missing </a:t>
+              <a:t>Missing values can just be omitted from the calculation</a:t>
             </a:r>
-            <a:r>
-              <a:rPr lang="en-CA" dirty="0" smtClean="0"/>
-              <a:t>values can just be omitted from the calculation</a:t>
-            </a:r>
-            <a:endParaRPr lang="en-CA" dirty="0" smtClean="0"/>
           </a:p>
           <a:p>
             <a:r>
               <a:rPr lang="en-CA" dirty="0" smtClean="0"/>
-              <a:t>Numeric </a:t>
-            </a:r>
-            <a:r>
-              <a:rPr lang="en-CA" dirty="0" smtClean="0"/>
-              <a:t>attributes – calculate mean and std. of our training sample and assume a Gaussian distribution to get probability for new sample value</a:t>
+              <a:t>Numeric attributes – calculate mean and std. of our training sample and assume a Gaussian distribution to get probability for new sample value</a:t>
             </a:r>
             <a:endParaRPr lang="en-CA" dirty="0"/>
           </a:p>
@@ -25609,7 +25420,7 @@
                         </a:spcAft>
                       </a:pPr>
                       <a:r>
-                        <a:rPr lang="en-CA" sz="1600" b="0">
+                        <a:rPr lang="en-CA" sz="1600" b="0" dirty="0">
                           <a:solidFill>
                             <a:schemeClr val="tx1"/>
                           </a:solidFill>
@@ -25617,7 +25428,7 @@
                         </a:rPr>
                         <a:t>High</a:t>
                       </a:r>
-                      <a:endParaRPr lang="en-CA" sz="1600" b="0">
+                      <a:endParaRPr lang="en-CA" sz="1600" b="0" dirty="0">
                         <a:solidFill>
                           <a:schemeClr val="tx1"/>
                         </a:solidFill>
@@ -25862,7 +25673,7 @@
                         </a:spcAft>
                       </a:pPr>
                       <a:r>
-                        <a:rPr lang="en-CA" sz="1600" b="0">
+                        <a:rPr lang="en-CA" sz="1600" b="0" dirty="0">
                           <a:solidFill>
                             <a:schemeClr val="tx1"/>
                           </a:solidFill>
@@ -25870,7 +25681,7 @@
                         </a:rPr>
                         <a:t>False</a:t>
                       </a:r>
-                      <a:endParaRPr lang="en-CA" sz="1600" b="0">
+                      <a:endParaRPr lang="en-CA" sz="1600" b="0" dirty="0">
                         <a:solidFill>
                           <a:schemeClr val="tx1"/>
                         </a:solidFill>
